--- a/Презентация ИСД.pptx
+++ b/Презентация ИСД.pptx
@@ -9,6 +9,11 @@
     <p:sldId id="257" r:id="rId3"/>
     <p:sldId id="258" r:id="rId4"/>
     <p:sldId id="259" r:id="rId5"/>
+    <p:sldId id="260" r:id="rId6"/>
+    <p:sldId id="262" r:id="rId7"/>
+    <p:sldId id="263" r:id="rId8"/>
+    <p:sldId id="264" r:id="rId9"/>
+    <p:sldId id="265" r:id="rId10"/>
   </p:sldIdLst>
   <p:sldSz cx="12192000" cy="6858000"/>
   <p:notesSz cx="6858000" cy="9144000"/>
@@ -107,6 +112,11 @@
       </a:defRPr>
     </a:lvl9pPr>
   </p:defaultTextStyle>
+  <p:extLst>
+    <p:ext uri="{EFAFB233-063F-42B5-8137-9DF3F51BA10A}">
+      <p15:sldGuideLst xmlns:p15="http://schemas.microsoft.com/office/powerpoint/2012/main"/>
+    </p:ext>
+  </p:extLst>
 </p:presentation>
 </file>
 
@@ -306,7 +316,7 @@
           <a:p>
             <a:fld id="{FCBD75E9-9C93-4F4D-815D-9FEB37D763DD}" type="datetimeFigureOut">
               <a:rPr lang="ru-RU" smtClean="0"/>
-              <a:t>12.05.2022</a:t>
+              <a:t>17.05.2022</a:t>
             </a:fld>
             <a:endParaRPr lang="ru-RU"/>
           </a:p>
@@ -530,7 +540,7 @@
           <a:p>
             <a:fld id="{FCBD75E9-9C93-4F4D-815D-9FEB37D763DD}" type="datetimeFigureOut">
               <a:rPr lang="ru-RU" smtClean="0"/>
-              <a:t>12.05.2022</a:t>
+              <a:t>17.05.2022</a:t>
             </a:fld>
             <a:endParaRPr lang="ru-RU"/>
           </a:p>
@@ -710,7 +720,7 @@
           <a:p>
             <a:fld id="{FCBD75E9-9C93-4F4D-815D-9FEB37D763DD}" type="datetimeFigureOut">
               <a:rPr lang="ru-RU" smtClean="0"/>
-              <a:t>12.05.2022</a:t>
+              <a:t>17.05.2022</a:t>
             </a:fld>
             <a:endParaRPr lang="ru-RU"/>
           </a:p>
@@ -880,7 +890,7 @@
           <a:p>
             <a:fld id="{FCBD75E9-9C93-4F4D-815D-9FEB37D763DD}" type="datetimeFigureOut">
               <a:rPr lang="ru-RU" smtClean="0"/>
-              <a:t>12.05.2022</a:t>
+              <a:t>17.05.2022</a:t>
             </a:fld>
             <a:endParaRPr lang="ru-RU"/>
           </a:p>
@@ -1171,7 +1181,7 @@
           <a:p>
             <a:fld id="{FCBD75E9-9C93-4F4D-815D-9FEB37D763DD}" type="datetimeFigureOut">
               <a:rPr lang="ru-RU" smtClean="0"/>
-              <a:t>12.05.2022</a:t>
+              <a:t>17.05.2022</a:t>
             </a:fld>
             <a:endParaRPr lang="ru-RU"/>
           </a:p>
@@ -1497,7 +1507,7 @@
           <a:p>
             <a:fld id="{FCBD75E9-9C93-4F4D-815D-9FEB37D763DD}" type="datetimeFigureOut">
               <a:rPr lang="ru-RU" smtClean="0"/>
-              <a:t>12.05.2022</a:t>
+              <a:t>17.05.2022</a:t>
             </a:fld>
             <a:endParaRPr lang="ru-RU"/>
           </a:p>
@@ -1909,7 +1919,7 @@
           <a:p>
             <a:fld id="{FCBD75E9-9C93-4F4D-815D-9FEB37D763DD}" type="datetimeFigureOut">
               <a:rPr lang="ru-RU" smtClean="0"/>
-              <a:t>12.05.2022</a:t>
+              <a:t>17.05.2022</a:t>
             </a:fld>
             <a:endParaRPr lang="ru-RU"/>
           </a:p>
@@ -2027,7 +2037,7 @@
           <a:p>
             <a:fld id="{FCBD75E9-9C93-4F4D-815D-9FEB37D763DD}" type="datetimeFigureOut">
               <a:rPr lang="ru-RU" smtClean="0"/>
-              <a:t>12.05.2022</a:t>
+              <a:t>17.05.2022</a:t>
             </a:fld>
             <a:endParaRPr lang="ru-RU"/>
           </a:p>
@@ -2122,7 +2132,7 @@
           <a:p>
             <a:fld id="{FCBD75E9-9C93-4F4D-815D-9FEB37D763DD}" type="datetimeFigureOut">
               <a:rPr lang="ru-RU" smtClean="0"/>
-              <a:t>12.05.2022</a:t>
+              <a:t>17.05.2022</a:t>
             </a:fld>
             <a:endParaRPr lang="ru-RU"/>
           </a:p>
@@ -2409,7 +2419,7 @@
           <a:p>
             <a:fld id="{FCBD75E9-9C93-4F4D-815D-9FEB37D763DD}" type="datetimeFigureOut">
               <a:rPr lang="ru-RU" smtClean="0"/>
-              <a:t>12.05.2022</a:t>
+              <a:t>17.05.2022</a:t>
             </a:fld>
             <a:endParaRPr lang="ru-RU"/>
           </a:p>
@@ -2686,7 +2696,7 @@
           <a:p>
             <a:fld id="{FCBD75E9-9C93-4F4D-815D-9FEB37D763DD}" type="datetimeFigureOut">
               <a:rPr lang="ru-RU" smtClean="0"/>
-              <a:t>12.05.2022</a:t>
+              <a:t>17.05.2022</a:t>
             </a:fld>
             <a:endParaRPr lang="ru-RU"/>
           </a:p>
@@ -2937,7 +2947,7 @@
           <a:p>
             <a:fld id="{FCBD75E9-9C93-4F4D-815D-9FEB37D763DD}" type="datetimeFigureOut">
               <a:rPr lang="ru-RU" smtClean="0"/>
-              <a:t>12.05.2022</a:t>
+              <a:t>17.05.2022</a:t>
             </a:fld>
             <a:endParaRPr lang="ru-RU"/>
           </a:p>
@@ -3614,7 +3624,7 @@
         </p:nvSpPr>
         <p:spPr>
           <a:xfrm>
-            <a:off x="1261872" y="365760"/>
+            <a:off x="1261872" y="226612"/>
             <a:ext cx="9692640" cy="681127"/>
           </a:xfrm>
         </p:spPr>
@@ -3649,7 +3659,7 @@
         </p:nvSpPr>
         <p:spPr>
           <a:xfrm>
-            <a:off x="1810512" y="1184365"/>
+            <a:off x="1810512" y="1122149"/>
             <a:ext cx="8595360" cy="4351337"/>
           </a:xfrm>
         </p:spPr>
@@ -3666,12 +3676,69 @@
               </a:rPr>
               <a:t>Тема была выбрана из-за возросшей в последние годы потребности в увеличении уровня приватности на различных предприятиях. Использовать данный продукт можно в местах, где требуется контролировать и ограничивать доступ.</a:t>
             </a:r>
-            <a:endParaRPr lang="ru-RU" dirty="0">
-              <a:latin typeface="Corbel" panose="020B0503020204020204" pitchFamily="34" charset="0"/>
-            </a:endParaRPr>
-          </a:p>
-        </p:txBody>
-      </p:sp>
+          </a:p>
+        </p:txBody>
+      </p:sp>
+      <p:pic>
+        <p:nvPicPr>
+          <p:cNvPr id="4" name="Рисунок 3"/>
+          <p:cNvPicPr>
+            <a:picLocks noChangeAspect="1"/>
+          </p:cNvPicPr>
+          <p:nvPr/>
+        </p:nvPicPr>
+        <p:blipFill>
+          <a:blip r:embed="rId2" cstate="print">
+            <a:extLst>
+              <a:ext uri="{28A0092B-C50C-407E-A947-70E740481C1C}">
+                <a14:useLocalDpi xmlns:a14="http://schemas.microsoft.com/office/drawing/2010/main" val="0"/>
+              </a:ext>
+            </a:extLst>
+          </a:blip>
+          <a:stretch>
+            <a:fillRect/>
+          </a:stretch>
+        </p:blipFill>
+        <p:spPr>
+          <a:xfrm>
+            <a:off x="424927" y="2317775"/>
+            <a:ext cx="4630194" cy="3089368"/>
+          </a:xfrm>
+          <a:prstGeom prst="rect">
+            <a:avLst/>
+          </a:prstGeom>
+        </p:spPr>
+      </p:pic>
+      <p:pic>
+        <p:nvPicPr>
+          <p:cNvPr id="6" name="Рисунок 5"/>
+          <p:cNvPicPr>
+            <a:picLocks noChangeAspect="1"/>
+          </p:cNvPicPr>
+          <p:nvPr/>
+        </p:nvPicPr>
+        <p:blipFill>
+          <a:blip r:embed="rId3" cstate="print">
+            <a:extLst>
+              <a:ext uri="{28A0092B-C50C-407E-A947-70E740481C1C}">
+                <a14:useLocalDpi xmlns:a14="http://schemas.microsoft.com/office/drawing/2010/main" val="0"/>
+              </a:ext>
+            </a:extLst>
+          </a:blip>
+          <a:stretch>
+            <a:fillRect/>
+          </a:stretch>
+        </p:blipFill>
+        <p:spPr>
+          <a:xfrm>
+            <a:off x="5627624" y="3693381"/>
+            <a:ext cx="4817478" cy="2532490"/>
+          </a:xfrm>
+          <a:prstGeom prst="rect">
+            <a:avLst/>
+          </a:prstGeom>
+        </p:spPr>
+      </p:pic>
     </p:spTree>
     <p:extLst>
       <p:ext uri="{BB962C8B-B14F-4D97-AF65-F5344CB8AC3E}">
@@ -3827,9 +3894,6 @@
               </a:rPr>
               <a:t>, изучение остального теоретического материала.</a:t>
             </a:r>
-            <a:endParaRPr lang="ru-RU" dirty="0">
-              <a:latin typeface="Corbel" panose="020B0503020204020204" pitchFamily="34" charset="0"/>
-            </a:endParaRPr>
           </a:p>
           <a:p>
             <a:pPr lvl="0"/>
@@ -3851,9 +3915,6 @@
               </a:rPr>
               <a:t>.</a:t>
             </a:r>
-            <a:endParaRPr lang="ru-RU" dirty="0">
-              <a:latin typeface="Corbel" panose="020B0503020204020204" pitchFamily="34" charset="0"/>
-            </a:endParaRPr>
           </a:p>
           <a:p>
             <a:pPr lvl="0"/>
@@ -3875,9 +3936,6 @@
               </a:rPr>
               <a:t>, написание программы.</a:t>
             </a:r>
-            <a:endParaRPr lang="ru-RU" dirty="0">
-              <a:latin typeface="Corbel" panose="020B0503020204020204" pitchFamily="34" charset="0"/>
-            </a:endParaRPr>
           </a:p>
           <a:p>
             <a:pPr lvl="0"/>
@@ -3899,9 +3957,6 @@
               </a:rPr>
               <a:t>принтере.</a:t>
             </a:r>
-            <a:endParaRPr lang="ru-RU" dirty="0">
-              <a:latin typeface="Corbel" panose="020B0503020204020204" pitchFamily="34" charset="0"/>
-            </a:endParaRPr>
           </a:p>
           <a:p>
             <a:pPr lvl="0"/>
@@ -3911,9 +3966,6 @@
               </a:rPr>
               <a:t>Сборка устройства.</a:t>
             </a:r>
-            <a:endParaRPr lang="ru-RU" dirty="0">
-              <a:latin typeface="Corbel" panose="020B0503020204020204" pitchFamily="34" charset="0"/>
-            </a:endParaRPr>
           </a:p>
           <a:p>
             <a:pPr marL="0" indent="0">
@@ -3965,13 +4017,25 @@
             <p:ph type="title"/>
           </p:nvPr>
         </p:nvSpPr>
-        <p:spPr/>
+        <p:spPr>
+          <a:xfrm>
+            <a:off x="713232" y="136768"/>
+            <a:ext cx="9692640" cy="581537"/>
+          </a:xfrm>
+        </p:spPr>
         <p:txBody>
           <a:bodyPr>
             <a:normAutofit/>
           </a:bodyPr>
           <a:lstStyle/>
           <a:p>
+            <a:pPr algn="ctr"/>
+            <a:r>
+              <a:rPr lang="ru-RU" sz="2800" dirty="0" smtClean="0">
+                <a:latin typeface="Corbel" panose="020B0503020204020204" pitchFamily="34" charset="0"/>
+              </a:rPr>
+              <a:t>Этапы работы над проектом.</a:t>
+            </a:r>
             <a:endParaRPr lang="ru-RU" sz="2800" dirty="0">
               <a:latin typeface="Corbel" panose="020B0503020204020204" pitchFamily="34" charset="0"/>
             </a:endParaRPr>
@@ -3988,12 +4052,65 @@
             <p:ph idx="1"/>
           </p:nvPr>
         </p:nvSpPr>
-        <p:spPr/>
+        <p:spPr>
+          <a:xfrm>
+            <a:off x="1261872" y="953477"/>
+            <a:ext cx="8595360" cy="4351337"/>
+          </a:xfrm>
+        </p:spPr>
         <p:txBody>
           <a:bodyPr/>
           <a:lstStyle/>
           <a:p>
-            <a:endParaRPr lang="ru-RU"/>
+            <a:pPr lvl="0" algn="just"/>
+            <a:r>
+              <a:rPr lang="ru-RU" dirty="0">
+                <a:latin typeface="Corbel" panose="020B0503020204020204" pitchFamily="34" charset="0"/>
+              </a:rPr>
+              <a:t>Изучение теоретического материала.</a:t>
+            </a:r>
+          </a:p>
+          <a:p>
+            <a:pPr lvl="0" algn="just"/>
+            <a:r>
+              <a:rPr lang="ru-RU" dirty="0">
+                <a:latin typeface="Corbel" panose="020B0503020204020204" pitchFamily="34" charset="0"/>
+              </a:rPr>
+              <a:t>Размещение компонентов на макетной плате.</a:t>
+            </a:r>
+          </a:p>
+          <a:p>
+            <a:pPr lvl="0" algn="just"/>
+            <a:r>
+              <a:rPr lang="ru-RU" dirty="0">
+                <a:latin typeface="Corbel" panose="020B0503020204020204" pitchFamily="34" charset="0"/>
+              </a:rPr>
+              <a:t>Написание прошивки для устройства.</a:t>
+            </a:r>
+          </a:p>
+          <a:p>
+            <a:pPr lvl="0" algn="just"/>
+            <a:r>
+              <a:rPr lang="ru-RU" dirty="0">
+                <a:latin typeface="Corbel" panose="020B0503020204020204" pitchFamily="34" charset="0"/>
+              </a:rPr>
+              <a:t>Создание детали-вертушки и установка ее на шаговой мотор.</a:t>
+            </a:r>
+          </a:p>
+          <a:p>
+            <a:pPr lvl="0" algn="just"/>
+            <a:r>
+              <a:rPr lang="ru-RU" dirty="0">
+                <a:latin typeface="Corbel" panose="020B0503020204020204" pitchFamily="34" charset="0"/>
+              </a:rPr>
+              <a:t>Отладка.</a:t>
+            </a:r>
+          </a:p>
+          <a:p>
+            <a:pPr marL="0" indent="0">
+              <a:buNone/>
+            </a:pPr>
+            <a:endParaRPr lang="ru-RU" dirty="0"/>
           </a:p>
         </p:txBody>
       </p:sp>
@@ -4001,6 +4118,967 @@
     <p:extLst>
       <p:ext uri="{BB962C8B-B14F-4D97-AF65-F5344CB8AC3E}">
         <p14:creationId xmlns:p14="http://schemas.microsoft.com/office/powerpoint/2010/main" val="3123899337"/>
+      </p:ext>
+    </p:extLst>
+  </p:cSld>
+  <p:clrMapOvr>
+    <a:masterClrMapping/>
+  </p:clrMapOvr>
+</p:sld>
+</file>
+
+<file path=ppt/slides/slide5.xml><?xml version="1.0" encoding="utf-8"?>
+<p:sld xmlns:a="http://schemas.openxmlformats.org/drawingml/2006/main" xmlns:r="http://schemas.openxmlformats.org/officeDocument/2006/relationships" xmlns:p="http://schemas.openxmlformats.org/presentationml/2006/main">
+  <p:cSld>
+    <p:spTree>
+      <p:nvGrpSpPr>
+        <p:cNvPr id="1" name=""/>
+        <p:cNvGrpSpPr/>
+        <p:nvPr/>
+      </p:nvGrpSpPr>
+      <p:grpSpPr>
+        <a:xfrm>
+          <a:off x="0" y="0"/>
+          <a:ext cx="0" cy="0"/>
+          <a:chOff x="0" y="0"/>
+          <a:chExt cx="0" cy="0"/>
+        </a:xfrm>
+      </p:grpSpPr>
+      <p:sp>
+        <p:nvSpPr>
+          <p:cNvPr id="2" name="Заголовок 1"/>
+          <p:cNvSpPr>
+            <a:spLocks noGrp="1"/>
+          </p:cNvSpPr>
+          <p:nvPr>
+            <p:ph type="title"/>
+          </p:nvPr>
+        </p:nvSpPr>
+        <p:spPr>
+          <a:xfrm>
+            <a:off x="713232" y="162559"/>
+            <a:ext cx="9692640" cy="595532"/>
+          </a:xfrm>
+        </p:spPr>
+        <p:txBody>
+          <a:bodyPr>
+            <a:normAutofit/>
+          </a:bodyPr>
+          <a:lstStyle/>
+          <a:p>
+            <a:pPr algn="ctr"/>
+            <a:r>
+              <a:rPr lang="ru-RU" sz="2800" dirty="0" smtClean="0">
+                <a:latin typeface="Corbel" panose="020B0503020204020204" pitchFamily="34" charset="0"/>
+              </a:rPr>
+              <a:t>Системы контроля и управления доступом.</a:t>
+            </a:r>
+            <a:endParaRPr lang="ru-RU" sz="2800" dirty="0">
+              <a:latin typeface="Corbel" panose="020B0503020204020204" pitchFamily="34" charset="0"/>
+            </a:endParaRPr>
+          </a:p>
+        </p:txBody>
+      </p:sp>
+      <p:sp>
+        <p:nvSpPr>
+          <p:cNvPr id="3" name="Объект 2"/>
+          <p:cNvSpPr>
+            <a:spLocks noGrp="1"/>
+          </p:cNvSpPr>
+          <p:nvPr>
+            <p:ph idx="1"/>
+          </p:nvPr>
+        </p:nvSpPr>
+        <p:spPr>
+          <a:xfrm>
+            <a:off x="713232" y="894862"/>
+            <a:ext cx="8595360" cy="5541108"/>
+          </a:xfrm>
+        </p:spPr>
+        <p:txBody>
+          <a:bodyPr>
+            <a:normAutofit fontScale="92500" lnSpcReduction="20000"/>
+          </a:bodyPr>
+          <a:lstStyle/>
+          <a:p>
+            <a:pPr marL="0" indent="0" algn="just">
+              <a:buNone/>
+            </a:pPr>
+            <a:r>
+              <a:rPr lang="ru-RU" dirty="0" smtClean="0">
+                <a:latin typeface="Corbel" panose="020B0503020204020204" pitchFamily="34" charset="0"/>
+              </a:rPr>
+              <a:t>     СКУД </a:t>
+            </a:r>
+            <a:r>
+              <a:rPr lang="ru-RU" dirty="0">
+                <a:latin typeface="Corbel" panose="020B0503020204020204" pitchFamily="34" charset="0"/>
+              </a:rPr>
+              <a:t>- комплекс аппаратуры, алгоритмов и программ, предназначенный для ограничения входа/выхода на обслуживаемый объект, внутренних перемещений, фиксации и протоколирования событий и решения других сопутствующих задач</a:t>
+            </a:r>
+            <a:r>
+              <a:rPr lang="ru-RU" dirty="0" smtClean="0">
+                <a:latin typeface="Corbel" panose="020B0503020204020204" pitchFamily="34" charset="0"/>
+              </a:rPr>
+              <a:t>.</a:t>
+            </a:r>
+          </a:p>
+          <a:p>
+            <a:pPr marL="0" indent="0" algn="just">
+              <a:buNone/>
+            </a:pPr>
+            <a:r>
+              <a:rPr lang="ru-RU" dirty="0" smtClean="0">
+                <a:latin typeface="Corbel" panose="020B0503020204020204" pitchFamily="34" charset="0"/>
+              </a:rPr>
+              <a:t>Виды считывателей</a:t>
+            </a:r>
+            <a:r>
+              <a:rPr lang="en-US" dirty="0" smtClean="0">
+                <a:latin typeface="Corbel" panose="020B0503020204020204" pitchFamily="34" charset="0"/>
+              </a:rPr>
+              <a:t>:</a:t>
+            </a:r>
+          </a:p>
+          <a:p>
+            <a:pPr algn="just"/>
+            <a:r>
+              <a:rPr lang="ru-RU" dirty="0" smtClean="0">
+                <a:latin typeface="Corbel" panose="020B0503020204020204" pitchFamily="34" charset="0"/>
+              </a:rPr>
+              <a:t>Оптические</a:t>
+            </a:r>
+          </a:p>
+          <a:p>
+            <a:pPr algn="just"/>
+            <a:r>
+              <a:rPr lang="ru-RU" dirty="0" smtClean="0">
+                <a:latin typeface="Corbel" panose="020B0503020204020204" pitchFamily="34" charset="0"/>
+              </a:rPr>
+              <a:t>Магнитные</a:t>
+            </a:r>
+          </a:p>
+          <a:p>
+            <a:pPr algn="just"/>
+            <a:r>
+              <a:rPr lang="ru-RU" dirty="0" smtClean="0">
+                <a:latin typeface="Corbel" panose="020B0503020204020204" pitchFamily="34" charset="0"/>
+              </a:rPr>
+              <a:t>Считыватели виртуальных данных</a:t>
+            </a:r>
+          </a:p>
+          <a:p>
+            <a:pPr algn="just"/>
+            <a:r>
+              <a:rPr lang="ru-RU" dirty="0" smtClean="0">
+                <a:latin typeface="Corbel" panose="020B0503020204020204" pitchFamily="34" charset="0"/>
+              </a:rPr>
+              <a:t>Считыватели ПИН-кодов</a:t>
+            </a:r>
+          </a:p>
+          <a:p>
+            <a:pPr algn="just"/>
+            <a:r>
+              <a:rPr lang="ru-RU" dirty="0" smtClean="0">
+                <a:latin typeface="Corbel" panose="020B0503020204020204" pitchFamily="34" charset="0"/>
+              </a:rPr>
+              <a:t>Биометрические сканеры</a:t>
+            </a:r>
+          </a:p>
+          <a:p>
+            <a:pPr algn="just"/>
+            <a:r>
+              <a:rPr lang="ru-RU" dirty="0" smtClean="0">
+                <a:latin typeface="Corbel" panose="020B0503020204020204" pitchFamily="34" charset="0"/>
+              </a:rPr>
+              <a:t>Бесконтактные</a:t>
+            </a:r>
+          </a:p>
+          <a:p>
+            <a:pPr marL="0" indent="0" algn="just">
+              <a:buNone/>
+            </a:pPr>
+            <a:r>
+              <a:rPr lang="ru-RU" dirty="0" smtClean="0">
+                <a:latin typeface="Corbel" panose="020B0503020204020204" pitchFamily="34" charset="0"/>
+              </a:rPr>
+              <a:t>Преимущества бесконтактных меток</a:t>
+            </a:r>
+            <a:r>
+              <a:rPr lang="en-US" dirty="0" smtClean="0">
+                <a:latin typeface="Corbel" panose="020B0503020204020204" pitchFamily="34" charset="0"/>
+              </a:rPr>
+              <a:t>:</a:t>
+            </a:r>
+          </a:p>
+          <a:p>
+            <a:pPr lvl="0"/>
+            <a:r>
+              <a:rPr lang="ru-RU" dirty="0">
+                <a:latin typeface="Corbel" panose="020B0503020204020204" pitchFamily="34" charset="0"/>
+              </a:rPr>
+              <a:t>Простота аппаратуры для считывания сигналов транспондеров и ее доступность на рынке в разных ценовых диапазонах.</a:t>
+            </a:r>
+          </a:p>
+          <a:p>
+            <a:pPr lvl="0"/>
+            <a:r>
+              <a:rPr lang="ru-RU" dirty="0">
+                <a:latin typeface="Corbel" panose="020B0503020204020204" pitchFamily="34" charset="0"/>
+              </a:rPr>
+              <a:t> Высокая надежность чипов – срок службы их практически не ограничен.</a:t>
+            </a:r>
+          </a:p>
+          <a:p>
+            <a:pPr lvl="0"/>
+            <a:r>
+              <a:rPr lang="ru-RU" dirty="0">
+                <a:latin typeface="Corbel" panose="020B0503020204020204" pitchFamily="34" charset="0"/>
+              </a:rPr>
+              <a:t> Удобство использования – метка может быть размещена практически на любом носителе.</a:t>
+            </a:r>
+          </a:p>
+          <a:p>
+            <a:pPr marL="0" indent="0" algn="just">
+              <a:buNone/>
+            </a:pPr>
+            <a:endParaRPr lang="ru-RU" dirty="0">
+              <a:latin typeface="Corbel" panose="020B0503020204020204" pitchFamily="34" charset="0"/>
+            </a:endParaRPr>
+          </a:p>
+        </p:txBody>
+      </p:sp>
+      <p:pic>
+        <p:nvPicPr>
+          <p:cNvPr id="4" name="Рисунок 3"/>
+          <p:cNvPicPr>
+            <a:picLocks noChangeAspect="1"/>
+          </p:cNvPicPr>
+          <p:nvPr/>
+        </p:nvPicPr>
+        <p:blipFill>
+          <a:blip r:embed="rId2" cstate="print">
+            <a:extLst>
+              <a:ext uri="{28A0092B-C50C-407E-A947-70E740481C1C}">
+                <a14:useLocalDpi xmlns:a14="http://schemas.microsoft.com/office/drawing/2010/main" val="0"/>
+              </a:ext>
+            </a:extLst>
+          </a:blip>
+          <a:stretch>
+            <a:fillRect/>
+          </a:stretch>
+        </p:blipFill>
+        <p:spPr>
+          <a:xfrm>
+            <a:off x="6307017" y="1850059"/>
+            <a:ext cx="2543908" cy="2736175"/>
+          </a:xfrm>
+          <a:prstGeom prst="rect">
+            <a:avLst/>
+          </a:prstGeom>
+        </p:spPr>
+      </p:pic>
+    </p:spTree>
+    <p:extLst>
+      <p:ext uri="{BB962C8B-B14F-4D97-AF65-F5344CB8AC3E}">
+        <p14:creationId xmlns:p14="http://schemas.microsoft.com/office/powerpoint/2010/main" val="181255580"/>
+      </p:ext>
+    </p:extLst>
+  </p:cSld>
+  <p:clrMapOvr>
+    <a:masterClrMapping/>
+  </p:clrMapOvr>
+</p:sld>
+</file>
+
+<file path=ppt/slides/slide6.xml><?xml version="1.0" encoding="utf-8"?>
+<p:sld xmlns:a="http://schemas.openxmlformats.org/drawingml/2006/main" xmlns:r="http://schemas.openxmlformats.org/officeDocument/2006/relationships" xmlns:p="http://schemas.openxmlformats.org/presentationml/2006/main">
+  <p:cSld>
+    <p:spTree>
+      <p:nvGrpSpPr>
+        <p:cNvPr id="1" name=""/>
+        <p:cNvGrpSpPr/>
+        <p:nvPr/>
+      </p:nvGrpSpPr>
+      <p:grpSpPr>
+        <a:xfrm>
+          <a:off x="0" y="0"/>
+          <a:ext cx="0" cy="0"/>
+          <a:chOff x="0" y="0"/>
+          <a:chExt cx="0" cy="0"/>
+        </a:xfrm>
+      </p:grpSpPr>
+      <p:sp>
+        <p:nvSpPr>
+          <p:cNvPr id="2" name="Заголовок 1"/>
+          <p:cNvSpPr>
+            <a:spLocks noGrp="1"/>
+          </p:cNvSpPr>
+          <p:nvPr>
+            <p:ph type="title"/>
+          </p:nvPr>
+        </p:nvSpPr>
+        <p:spPr>
+          <a:xfrm>
+            <a:off x="743791" y="70337"/>
+            <a:ext cx="9242942" cy="890245"/>
+          </a:xfrm>
+        </p:spPr>
+        <p:txBody>
+          <a:bodyPr>
+            <a:normAutofit/>
+          </a:bodyPr>
+          <a:lstStyle/>
+          <a:p>
+            <a:pPr algn="ctr"/>
+            <a:r>
+              <a:rPr lang="ru-RU" sz="2800" dirty="0" smtClean="0">
+                <a:latin typeface="Corbel" panose="020B0503020204020204" pitchFamily="34" charset="0"/>
+              </a:rPr>
+              <a:t>Структура устройства.</a:t>
+            </a:r>
+            <a:endParaRPr lang="ru-RU" sz="2800" dirty="0">
+              <a:latin typeface="Corbel" panose="020B0503020204020204" pitchFamily="34" charset="0"/>
+            </a:endParaRPr>
+          </a:p>
+        </p:txBody>
+      </p:sp>
+      <p:sp>
+        <p:nvSpPr>
+          <p:cNvPr id="3" name="Объект 2"/>
+          <p:cNvSpPr>
+            <a:spLocks noGrp="1"/>
+          </p:cNvSpPr>
+          <p:nvPr>
+            <p:ph idx="1"/>
+          </p:nvPr>
+        </p:nvSpPr>
+        <p:spPr>
+          <a:xfrm>
+            <a:off x="1238426" y="1113692"/>
+            <a:ext cx="8595360" cy="4003552"/>
+          </a:xfrm>
+        </p:spPr>
+        <p:txBody>
+          <a:bodyPr/>
+          <a:lstStyle/>
+          <a:p>
+            <a:pPr marL="0" indent="0" algn="just">
+              <a:buNone/>
+            </a:pPr>
+            <a:r>
+              <a:rPr lang="ru-RU" dirty="0">
+                <a:latin typeface="Corbel" panose="020B0503020204020204" pitchFamily="34" charset="0"/>
+              </a:rPr>
+              <a:t>Разработанное устройство состоит из </a:t>
+            </a:r>
+            <a:r>
+              <a:rPr lang="en-US" dirty="0">
+                <a:latin typeface="Corbel" panose="020B0503020204020204" pitchFamily="34" charset="0"/>
+              </a:rPr>
+              <a:t>Arduino Nano</a:t>
+            </a:r>
+            <a:r>
+              <a:rPr lang="ru-RU" dirty="0">
+                <a:latin typeface="Corbel" panose="020B0503020204020204" pitchFamily="34" charset="0"/>
+              </a:rPr>
+              <a:t>, с подключенном к нему шаговым двигателем и считывателем RDIF </a:t>
+            </a:r>
+            <a:r>
+              <a:rPr lang="ru-RU" dirty="0" smtClean="0">
+                <a:latin typeface="Corbel" panose="020B0503020204020204" pitchFamily="34" charset="0"/>
+              </a:rPr>
+              <a:t>меток.</a:t>
+            </a:r>
+            <a:endParaRPr lang="ru-RU" dirty="0">
+              <a:latin typeface="Corbel" panose="020B0503020204020204" pitchFamily="34" charset="0"/>
+            </a:endParaRPr>
+          </a:p>
+        </p:txBody>
+      </p:sp>
+      <p:pic>
+        <p:nvPicPr>
+          <p:cNvPr id="4" name="Рисунок 3"/>
+          <p:cNvPicPr>
+            <a:picLocks noChangeAspect="1"/>
+          </p:cNvPicPr>
+          <p:nvPr/>
+        </p:nvPicPr>
+        <p:blipFill>
+          <a:blip r:embed="rId2">
+            <a:extLst>
+              <a:ext uri="{28A0092B-C50C-407E-A947-70E740481C1C}">
+                <a14:useLocalDpi xmlns:a14="http://schemas.microsoft.com/office/drawing/2010/main" val="0"/>
+              </a:ext>
+            </a:extLst>
+          </a:blip>
+          <a:stretch>
+            <a:fillRect/>
+          </a:stretch>
+        </p:blipFill>
+        <p:spPr>
+          <a:xfrm>
+            <a:off x="1794362" y="2725509"/>
+            <a:ext cx="7483488" cy="2438611"/>
+          </a:xfrm>
+          <a:prstGeom prst="rect">
+            <a:avLst/>
+          </a:prstGeom>
+        </p:spPr>
+      </p:pic>
+    </p:spTree>
+    <p:extLst>
+      <p:ext uri="{BB962C8B-B14F-4D97-AF65-F5344CB8AC3E}">
+        <p14:creationId xmlns:p14="http://schemas.microsoft.com/office/powerpoint/2010/main" val="4093859910"/>
+      </p:ext>
+    </p:extLst>
+  </p:cSld>
+  <p:clrMapOvr>
+    <a:masterClrMapping/>
+  </p:clrMapOvr>
+</p:sld>
+</file>
+
+<file path=ppt/slides/slide7.xml><?xml version="1.0" encoding="utf-8"?>
+<p:sld xmlns:a="http://schemas.openxmlformats.org/drawingml/2006/main" xmlns:r="http://schemas.openxmlformats.org/officeDocument/2006/relationships" xmlns:p="http://schemas.openxmlformats.org/presentationml/2006/main">
+  <p:cSld>
+    <p:spTree>
+      <p:nvGrpSpPr>
+        <p:cNvPr id="1" name=""/>
+        <p:cNvGrpSpPr/>
+        <p:nvPr/>
+      </p:nvGrpSpPr>
+      <p:grpSpPr>
+        <a:xfrm>
+          <a:off x="0" y="0"/>
+          <a:ext cx="0" cy="0"/>
+          <a:chOff x="0" y="0"/>
+          <a:chExt cx="0" cy="0"/>
+        </a:xfrm>
+      </p:grpSpPr>
+      <p:sp>
+        <p:nvSpPr>
+          <p:cNvPr id="2" name="Заголовок 1"/>
+          <p:cNvSpPr>
+            <a:spLocks noGrp="1"/>
+          </p:cNvSpPr>
+          <p:nvPr>
+            <p:ph type="title"/>
+          </p:nvPr>
+        </p:nvSpPr>
+        <p:spPr>
+          <a:xfrm>
+            <a:off x="713232" y="324338"/>
+            <a:ext cx="9692640" cy="604984"/>
+          </a:xfrm>
+        </p:spPr>
+        <p:txBody>
+          <a:bodyPr>
+            <a:normAutofit/>
+          </a:bodyPr>
+          <a:lstStyle/>
+          <a:p>
+            <a:pPr algn="ctr"/>
+            <a:r>
+              <a:rPr lang="ru-RU" sz="2800" dirty="0" smtClean="0">
+                <a:latin typeface="Corbel" panose="020B0503020204020204" pitchFamily="34" charset="0"/>
+              </a:rPr>
+              <a:t>Описание программы.</a:t>
+            </a:r>
+            <a:endParaRPr lang="ru-RU" sz="2800" dirty="0">
+              <a:latin typeface="Corbel" panose="020B0503020204020204" pitchFamily="34" charset="0"/>
+            </a:endParaRPr>
+          </a:p>
+        </p:txBody>
+      </p:sp>
+      <p:pic>
+        <p:nvPicPr>
+          <p:cNvPr id="4" name="Объект 3"/>
+          <p:cNvPicPr>
+            <a:picLocks noGrp="1" noChangeAspect="1"/>
+          </p:cNvPicPr>
+          <p:nvPr>
+            <p:ph idx="1"/>
+          </p:nvPr>
+        </p:nvPicPr>
+        <p:blipFill>
+          <a:blip r:embed="rId2">
+            <a:extLst>
+              <a:ext uri="{28A0092B-C50C-407E-A947-70E740481C1C}">
+                <a14:useLocalDpi xmlns:a14="http://schemas.microsoft.com/office/drawing/2010/main" val="0"/>
+              </a:ext>
+            </a:extLst>
+          </a:blip>
+          <a:stretch>
+            <a:fillRect/>
+          </a:stretch>
+        </p:blipFill>
+        <p:spPr>
+          <a:xfrm>
+            <a:off x="3909441" y="1196364"/>
+            <a:ext cx="3300222" cy="5274774"/>
+          </a:xfrm>
+        </p:spPr>
+      </p:pic>
+    </p:spTree>
+    <p:extLst>
+      <p:ext uri="{BB962C8B-B14F-4D97-AF65-F5344CB8AC3E}">
+        <p14:creationId xmlns:p14="http://schemas.microsoft.com/office/powerpoint/2010/main" val="534782624"/>
+      </p:ext>
+    </p:extLst>
+  </p:cSld>
+  <p:clrMapOvr>
+    <a:masterClrMapping/>
+  </p:clrMapOvr>
+</p:sld>
+</file>
+
+<file path=ppt/slides/slide8.xml><?xml version="1.0" encoding="utf-8"?>
+<p:sld xmlns:a="http://schemas.openxmlformats.org/drawingml/2006/main" xmlns:r="http://schemas.openxmlformats.org/officeDocument/2006/relationships" xmlns:p="http://schemas.openxmlformats.org/presentationml/2006/main">
+  <p:cSld>
+    <p:spTree>
+      <p:nvGrpSpPr>
+        <p:cNvPr id="1" name=""/>
+        <p:cNvGrpSpPr/>
+        <p:nvPr/>
+      </p:nvGrpSpPr>
+      <p:grpSpPr>
+        <a:xfrm>
+          <a:off x="0" y="0"/>
+          <a:ext cx="0" cy="0"/>
+          <a:chOff x="0" y="0"/>
+          <a:chExt cx="0" cy="0"/>
+        </a:xfrm>
+      </p:grpSpPr>
+      <p:sp>
+        <p:nvSpPr>
+          <p:cNvPr id="2" name="Заголовок 1"/>
+          <p:cNvSpPr>
+            <a:spLocks noGrp="1"/>
+          </p:cNvSpPr>
+          <p:nvPr>
+            <p:ph type="title"/>
+          </p:nvPr>
+        </p:nvSpPr>
+        <p:spPr>
+          <a:xfrm>
+            <a:off x="713232" y="207107"/>
+            <a:ext cx="9692640" cy="651875"/>
+          </a:xfrm>
+        </p:spPr>
+        <p:txBody>
+          <a:bodyPr>
+            <a:normAutofit/>
+          </a:bodyPr>
+          <a:lstStyle/>
+          <a:p>
+            <a:pPr algn="ctr"/>
+            <a:r>
+              <a:rPr lang="ru-RU" sz="2800" dirty="0" smtClean="0">
+                <a:latin typeface="Corbel" panose="020B0503020204020204" pitchFamily="34" charset="0"/>
+              </a:rPr>
+              <a:t>Создание детали вертушки</a:t>
+            </a:r>
+            <a:r>
+              <a:rPr lang="en-US" sz="2800" dirty="0" smtClean="0">
+                <a:latin typeface="Corbel" panose="020B0503020204020204" pitchFamily="34" charset="0"/>
+              </a:rPr>
+              <a:t> </a:t>
+            </a:r>
+            <a:r>
+              <a:rPr lang="ru-RU" sz="2800" dirty="0" smtClean="0">
+                <a:latin typeface="Corbel" panose="020B0503020204020204" pitchFamily="34" charset="0"/>
+              </a:rPr>
+              <a:t>и сборка устройства.</a:t>
+            </a:r>
+            <a:endParaRPr lang="ru-RU" sz="2800" dirty="0">
+              <a:latin typeface="Corbel" panose="020B0503020204020204" pitchFamily="34" charset="0"/>
+            </a:endParaRPr>
+          </a:p>
+        </p:txBody>
+      </p:sp>
+      <p:pic>
+        <p:nvPicPr>
+          <p:cNvPr id="4" name="Объект 3"/>
+          <p:cNvPicPr>
+            <a:picLocks noGrp="1" noChangeAspect="1"/>
+          </p:cNvPicPr>
+          <p:nvPr>
+            <p:ph idx="1"/>
+          </p:nvPr>
+        </p:nvPicPr>
+        <p:blipFill>
+          <a:blip r:embed="rId2" cstate="print">
+            <a:extLst>
+              <a:ext uri="{28A0092B-C50C-407E-A947-70E740481C1C}">
+                <a14:useLocalDpi xmlns:a14="http://schemas.microsoft.com/office/drawing/2010/main" val="0"/>
+              </a:ext>
+            </a:extLst>
+          </a:blip>
+          <a:stretch>
+            <a:fillRect/>
+          </a:stretch>
+        </p:blipFill>
+        <p:spPr>
+          <a:xfrm>
+            <a:off x="361540" y="2316527"/>
+            <a:ext cx="4394188" cy="2642335"/>
+          </a:xfrm>
+        </p:spPr>
+      </p:pic>
+      <p:sp>
+        <p:nvSpPr>
+          <p:cNvPr id="7" name="TextBox 6"/>
+          <p:cNvSpPr txBox="1"/>
+          <p:nvPr/>
+        </p:nvSpPr>
+        <p:spPr>
+          <a:xfrm>
+            <a:off x="1234831" y="1262185"/>
+            <a:ext cx="973015" cy="369332"/>
+          </a:xfrm>
+          <a:prstGeom prst="rect">
+            <a:avLst/>
+          </a:prstGeom>
+          <a:noFill/>
+        </p:spPr>
+        <p:txBody>
+          <a:bodyPr wrap="square" rtlCol="0">
+            <a:spAutoFit/>
+          </a:bodyPr>
+          <a:lstStyle/>
+          <a:p>
+            <a:endParaRPr lang="ru-RU" dirty="0"/>
+          </a:p>
+        </p:txBody>
+      </p:sp>
+      <p:sp>
+        <p:nvSpPr>
+          <p:cNvPr id="8" name="TextBox 7"/>
+          <p:cNvSpPr txBox="1"/>
+          <p:nvPr/>
+        </p:nvSpPr>
+        <p:spPr>
+          <a:xfrm>
+            <a:off x="758952" y="858982"/>
+            <a:ext cx="9601200" cy="1200329"/>
+          </a:xfrm>
+          <a:prstGeom prst="rect">
+            <a:avLst/>
+          </a:prstGeom>
+          <a:noFill/>
+        </p:spPr>
+        <p:txBody>
+          <a:bodyPr wrap="square" rtlCol="0">
+            <a:spAutoFit/>
+          </a:bodyPr>
+          <a:lstStyle/>
+          <a:p>
+            <a:r>
+              <a:rPr lang="en-US" dirty="0" smtClean="0">
+                <a:latin typeface="Corbel" panose="020B0503020204020204" pitchFamily="34" charset="0"/>
+              </a:rPr>
+              <a:t>     </a:t>
+            </a:r>
+            <a:r>
+              <a:rPr lang="ru-RU" dirty="0" smtClean="0">
+                <a:latin typeface="Corbel" panose="020B0503020204020204" pitchFamily="34" charset="0"/>
+              </a:rPr>
+              <a:t>Изначально </a:t>
+            </a:r>
+            <a:r>
+              <a:rPr lang="ru-RU" dirty="0">
+                <a:latin typeface="Corbel" panose="020B0503020204020204" pitchFamily="34" charset="0"/>
+              </a:rPr>
+              <a:t>на макетную плату была установлена плата </a:t>
+            </a:r>
+            <a:r>
+              <a:rPr lang="en-US" dirty="0">
+                <a:latin typeface="Corbel" panose="020B0503020204020204" pitchFamily="34" charset="0"/>
+              </a:rPr>
+              <a:t>Arduino Nano</a:t>
+            </a:r>
+            <a:r>
+              <a:rPr lang="ru-RU" dirty="0">
+                <a:latin typeface="Corbel" panose="020B0503020204020204" pitchFamily="34" charset="0"/>
+              </a:rPr>
+              <a:t>, затем </a:t>
+            </a:r>
+            <a:r>
+              <a:rPr lang="ru-RU" dirty="0" smtClean="0">
+                <a:latin typeface="Corbel" panose="020B0503020204020204" pitchFamily="34" charset="0"/>
+              </a:rPr>
+              <a:t>был</a:t>
+            </a:r>
+            <a:r>
+              <a:rPr lang="en-US" dirty="0" smtClean="0">
+                <a:latin typeface="Corbel" panose="020B0503020204020204" pitchFamily="34" charset="0"/>
+              </a:rPr>
+              <a:t> </a:t>
+            </a:r>
+            <a:r>
+              <a:rPr lang="ru-RU" dirty="0" smtClean="0">
+                <a:latin typeface="Corbel" panose="020B0503020204020204" pitchFamily="34" charset="0"/>
+              </a:rPr>
+              <a:t>подсоединен</a:t>
+            </a:r>
+            <a:r>
+              <a:rPr lang="en-US" dirty="0" smtClean="0">
+                <a:latin typeface="Corbel" panose="020B0503020204020204" pitchFamily="34" charset="0"/>
+              </a:rPr>
+              <a:t> RFID </a:t>
+            </a:r>
+            <a:r>
+              <a:rPr lang="ru-RU" dirty="0">
+                <a:latin typeface="Corbel" panose="020B0503020204020204" pitchFamily="34" charset="0"/>
+              </a:rPr>
+              <a:t>считыватель, после этого был подключен шаговой двигатель при помощи драйвера, в последнюю очередь на двигателе была закреплена вертушка. Питание для работы конструкции подается через </a:t>
+            </a:r>
+            <a:r>
+              <a:rPr lang="en-US" dirty="0">
+                <a:latin typeface="Corbel" panose="020B0503020204020204" pitchFamily="34" charset="0"/>
+              </a:rPr>
+              <a:t>USB </a:t>
+            </a:r>
+            <a:r>
+              <a:rPr lang="ru-RU" dirty="0">
+                <a:latin typeface="Corbel" panose="020B0503020204020204" pitchFamily="34" charset="0"/>
+              </a:rPr>
+              <a:t>провод, подключенный к </a:t>
+            </a:r>
+            <a:r>
+              <a:rPr lang="en-US" dirty="0">
+                <a:latin typeface="Corbel" panose="020B0503020204020204" pitchFamily="34" charset="0"/>
+              </a:rPr>
+              <a:t>Arduino Nano</a:t>
+            </a:r>
+            <a:r>
+              <a:rPr lang="ru-RU" dirty="0">
+                <a:latin typeface="Corbel" panose="020B0503020204020204" pitchFamily="34" charset="0"/>
+              </a:rPr>
+              <a:t>. </a:t>
+            </a:r>
+            <a:endParaRPr lang="ru-RU" dirty="0">
+              <a:latin typeface="Corbel" panose="020B0503020204020204" pitchFamily="34" charset="0"/>
+            </a:endParaRPr>
+          </a:p>
+        </p:txBody>
+      </p:sp>
+      <p:pic>
+        <p:nvPicPr>
+          <p:cNvPr id="9" name="Рисунок 8"/>
+          <p:cNvPicPr>
+            <a:picLocks noChangeAspect="1"/>
+          </p:cNvPicPr>
+          <p:nvPr/>
+        </p:nvPicPr>
+        <p:blipFill>
+          <a:blip r:embed="rId3" cstate="print">
+            <a:extLst>
+              <a:ext uri="{28A0092B-C50C-407E-A947-70E740481C1C}">
+                <a14:useLocalDpi xmlns:a14="http://schemas.microsoft.com/office/drawing/2010/main" val="0"/>
+              </a:ext>
+            </a:extLst>
+          </a:blip>
+          <a:stretch>
+            <a:fillRect/>
+          </a:stretch>
+        </p:blipFill>
+        <p:spPr>
+          <a:xfrm>
+            <a:off x="5397383" y="2758830"/>
+            <a:ext cx="5291015" cy="3767015"/>
+          </a:xfrm>
+          <a:prstGeom prst="rect">
+            <a:avLst/>
+          </a:prstGeom>
+        </p:spPr>
+      </p:pic>
+    </p:spTree>
+    <p:extLst>
+      <p:ext uri="{BB962C8B-B14F-4D97-AF65-F5344CB8AC3E}">
+        <p14:creationId xmlns:p14="http://schemas.microsoft.com/office/powerpoint/2010/main" val="3297351112"/>
+      </p:ext>
+    </p:extLst>
+  </p:cSld>
+  <p:clrMapOvr>
+    <a:masterClrMapping/>
+  </p:clrMapOvr>
+</p:sld>
+</file>
+
+<file path=ppt/slides/slide9.xml><?xml version="1.0" encoding="utf-8"?>
+<p:sld xmlns:a="http://schemas.openxmlformats.org/drawingml/2006/main" xmlns:r="http://schemas.openxmlformats.org/officeDocument/2006/relationships" xmlns:p="http://schemas.openxmlformats.org/presentationml/2006/main">
+  <p:cSld>
+    <p:spTree>
+      <p:nvGrpSpPr>
+        <p:cNvPr id="1" name=""/>
+        <p:cNvGrpSpPr/>
+        <p:nvPr/>
+      </p:nvGrpSpPr>
+      <p:grpSpPr>
+        <a:xfrm>
+          <a:off x="0" y="0"/>
+          <a:ext cx="0" cy="0"/>
+          <a:chOff x="0" y="0"/>
+          <a:chExt cx="0" cy="0"/>
+        </a:xfrm>
+      </p:grpSpPr>
+      <p:sp>
+        <p:nvSpPr>
+          <p:cNvPr id="2" name="Заголовок 1"/>
+          <p:cNvSpPr>
+            <a:spLocks noGrp="1"/>
+          </p:cNvSpPr>
+          <p:nvPr>
+            <p:ph type="title"/>
+          </p:nvPr>
+        </p:nvSpPr>
+        <p:spPr>
+          <a:xfrm>
+            <a:off x="713232" y="285261"/>
+            <a:ext cx="9692640" cy="671414"/>
+          </a:xfrm>
+        </p:spPr>
+        <p:txBody>
+          <a:bodyPr>
+            <a:normAutofit/>
+          </a:bodyPr>
+          <a:lstStyle/>
+          <a:p>
+            <a:pPr algn="ctr"/>
+            <a:r>
+              <a:rPr lang="ru-RU" sz="2800" dirty="0" smtClean="0">
+                <a:latin typeface="Corbel" panose="020B0503020204020204" pitchFamily="34" charset="0"/>
+              </a:rPr>
+              <a:t>Заключение.</a:t>
+            </a:r>
+            <a:endParaRPr lang="ru-RU" sz="2800" dirty="0">
+              <a:latin typeface="Corbel" panose="020B0503020204020204" pitchFamily="34" charset="0"/>
+            </a:endParaRPr>
+          </a:p>
+        </p:txBody>
+      </p:sp>
+      <p:sp>
+        <p:nvSpPr>
+          <p:cNvPr id="3" name="Объект 2"/>
+          <p:cNvSpPr>
+            <a:spLocks noGrp="1"/>
+          </p:cNvSpPr>
+          <p:nvPr>
+            <p:ph idx="1"/>
+          </p:nvPr>
+        </p:nvSpPr>
+        <p:spPr>
+          <a:xfrm>
+            <a:off x="1261872" y="1105878"/>
+            <a:ext cx="8595360" cy="2446216"/>
+          </a:xfrm>
+        </p:spPr>
+        <p:txBody>
+          <a:bodyPr/>
+          <a:lstStyle/>
+          <a:p>
+            <a:pPr marL="0" indent="0">
+              <a:buNone/>
+            </a:pPr>
+            <a:r>
+              <a:rPr lang="ru-RU" dirty="0" smtClean="0">
+                <a:latin typeface="Corbel" panose="020B0503020204020204" pitchFamily="34" charset="0"/>
+              </a:rPr>
+              <a:t>    Подводя </a:t>
+            </a:r>
+            <a:r>
+              <a:rPr lang="ru-RU" dirty="0">
+                <a:latin typeface="Corbel" panose="020B0503020204020204" pitchFamily="34" charset="0"/>
+              </a:rPr>
+              <a:t>итог, я считаю, что можно сказать, что я достиг поставленной цели, я собрал прототип системы интеллектуального доступа на основе </a:t>
+            </a:r>
+            <a:r>
+              <a:rPr lang="en-US" dirty="0">
+                <a:latin typeface="Corbel" panose="020B0503020204020204" pitchFamily="34" charset="0"/>
+              </a:rPr>
+              <a:t>RFID</a:t>
+            </a:r>
+            <a:r>
+              <a:rPr lang="ru-RU" dirty="0">
+                <a:latin typeface="Corbel" panose="020B0503020204020204" pitchFamily="34" charset="0"/>
+              </a:rPr>
+              <a:t>. Моя система определяет, подходит ли обнаруженная ей метка и открывает замок, в случае, если она подошла. Затрагивая вещи, которые можно доработать, можно добавить базу данных и возможность добавлять новые метки, а также разграничивать доступ у различных меток, не затрагивая программный код.</a:t>
+            </a:r>
+          </a:p>
+          <a:p>
+            <a:pPr marL="0" indent="0">
+              <a:buNone/>
+            </a:pPr>
+            <a:endParaRPr lang="ru-RU" dirty="0"/>
+          </a:p>
+        </p:txBody>
+      </p:sp>
+      <p:pic>
+        <p:nvPicPr>
+          <p:cNvPr id="4" name="Рисунок 3"/>
+          <p:cNvPicPr>
+            <a:picLocks noChangeAspect="1"/>
+          </p:cNvPicPr>
+          <p:nvPr/>
+        </p:nvPicPr>
+        <p:blipFill>
+          <a:blip r:embed="rId2" cstate="print">
+            <a:extLst>
+              <a:ext uri="{28A0092B-C50C-407E-A947-70E740481C1C}">
+                <a14:useLocalDpi xmlns:a14="http://schemas.microsoft.com/office/drawing/2010/main" val="0"/>
+              </a:ext>
+            </a:extLst>
+          </a:blip>
+          <a:stretch>
+            <a:fillRect/>
+          </a:stretch>
+        </p:blipFill>
+        <p:spPr>
+          <a:xfrm>
+            <a:off x="5807408" y="3336290"/>
+            <a:ext cx="4322554" cy="3245654"/>
+          </a:xfrm>
+          <a:prstGeom prst="rect">
+            <a:avLst/>
+          </a:prstGeom>
+        </p:spPr>
+      </p:pic>
+      <p:pic>
+        <p:nvPicPr>
+          <p:cNvPr id="5" name="Рисунок 4"/>
+          <p:cNvPicPr>
+            <a:picLocks noChangeAspect="1"/>
+          </p:cNvPicPr>
+          <p:nvPr/>
+        </p:nvPicPr>
+        <p:blipFill>
+          <a:blip r:embed="rId3" cstate="print">
+            <a:extLst>
+              <a:ext uri="{28A0092B-C50C-407E-A947-70E740481C1C}">
+                <a14:useLocalDpi xmlns:a14="http://schemas.microsoft.com/office/drawing/2010/main" val="0"/>
+              </a:ext>
+            </a:extLst>
+          </a:blip>
+          <a:stretch>
+            <a:fillRect/>
+          </a:stretch>
+        </p:blipFill>
+        <p:spPr>
+          <a:xfrm>
+            <a:off x="921556" y="3008181"/>
+            <a:ext cx="4203631" cy="3156360"/>
+          </a:xfrm>
+          <a:prstGeom prst="rect">
+            <a:avLst/>
+          </a:prstGeom>
+        </p:spPr>
+      </p:pic>
+    </p:spTree>
+    <p:extLst>
+      <p:ext uri="{BB962C8B-B14F-4D97-AF65-F5344CB8AC3E}">
+        <p14:creationId xmlns:p14="http://schemas.microsoft.com/office/powerpoint/2010/main" val="1592371464"/>
       </p:ext>
     </p:extLst>
   </p:cSld>

--- a/Презентация ИСД.pptx
+++ b/Презентация ИСД.pptx
@@ -316,7 +316,7 @@
           <a:p>
             <a:fld id="{FCBD75E9-9C93-4F4D-815D-9FEB37D763DD}" type="datetimeFigureOut">
               <a:rPr lang="ru-RU" smtClean="0"/>
-              <a:t>17.05.2022</a:t>
+              <a:t>19.05.2022</a:t>
             </a:fld>
             <a:endParaRPr lang="ru-RU"/>
           </a:p>
@@ -540,7 +540,7 @@
           <a:p>
             <a:fld id="{FCBD75E9-9C93-4F4D-815D-9FEB37D763DD}" type="datetimeFigureOut">
               <a:rPr lang="ru-RU" smtClean="0"/>
-              <a:t>17.05.2022</a:t>
+              <a:t>19.05.2022</a:t>
             </a:fld>
             <a:endParaRPr lang="ru-RU"/>
           </a:p>
@@ -720,7 +720,7 @@
           <a:p>
             <a:fld id="{FCBD75E9-9C93-4F4D-815D-9FEB37D763DD}" type="datetimeFigureOut">
               <a:rPr lang="ru-RU" smtClean="0"/>
-              <a:t>17.05.2022</a:t>
+              <a:t>19.05.2022</a:t>
             </a:fld>
             <a:endParaRPr lang="ru-RU"/>
           </a:p>
@@ -890,7 +890,7 @@
           <a:p>
             <a:fld id="{FCBD75E9-9C93-4F4D-815D-9FEB37D763DD}" type="datetimeFigureOut">
               <a:rPr lang="ru-RU" smtClean="0"/>
-              <a:t>17.05.2022</a:t>
+              <a:t>19.05.2022</a:t>
             </a:fld>
             <a:endParaRPr lang="ru-RU"/>
           </a:p>
@@ -1181,7 +1181,7 @@
           <a:p>
             <a:fld id="{FCBD75E9-9C93-4F4D-815D-9FEB37D763DD}" type="datetimeFigureOut">
               <a:rPr lang="ru-RU" smtClean="0"/>
-              <a:t>17.05.2022</a:t>
+              <a:t>19.05.2022</a:t>
             </a:fld>
             <a:endParaRPr lang="ru-RU"/>
           </a:p>
@@ -1507,7 +1507,7 @@
           <a:p>
             <a:fld id="{FCBD75E9-9C93-4F4D-815D-9FEB37D763DD}" type="datetimeFigureOut">
               <a:rPr lang="ru-RU" smtClean="0"/>
-              <a:t>17.05.2022</a:t>
+              <a:t>19.05.2022</a:t>
             </a:fld>
             <a:endParaRPr lang="ru-RU"/>
           </a:p>
@@ -1919,7 +1919,7 @@
           <a:p>
             <a:fld id="{FCBD75E9-9C93-4F4D-815D-9FEB37D763DD}" type="datetimeFigureOut">
               <a:rPr lang="ru-RU" smtClean="0"/>
-              <a:t>17.05.2022</a:t>
+              <a:t>19.05.2022</a:t>
             </a:fld>
             <a:endParaRPr lang="ru-RU"/>
           </a:p>
@@ -2037,7 +2037,7 @@
           <a:p>
             <a:fld id="{FCBD75E9-9C93-4F4D-815D-9FEB37D763DD}" type="datetimeFigureOut">
               <a:rPr lang="ru-RU" smtClean="0"/>
-              <a:t>17.05.2022</a:t>
+              <a:t>19.05.2022</a:t>
             </a:fld>
             <a:endParaRPr lang="ru-RU"/>
           </a:p>
@@ -2132,7 +2132,7 @@
           <a:p>
             <a:fld id="{FCBD75E9-9C93-4F4D-815D-9FEB37D763DD}" type="datetimeFigureOut">
               <a:rPr lang="ru-RU" smtClean="0"/>
-              <a:t>17.05.2022</a:t>
+              <a:t>19.05.2022</a:t>
             </a:fld>
             <a:endParaRPr lang="ru-RU"/>
           </a:p>
@@ -2419,7 +2419,7 @@
           <a:p>
             <a:fld id="{FCBD75E9-9C93-4F4D-815D-9FEB37D763DD}" type="datetimeFigureOut">
               <a:rPr lang="ru-RU" smtClean="0"/>
-              <a:t>17.05.2022</a:t>
+              <a:t>19.05.2022</a:t>
             </a:fld>
             <a:endParaRPr lang="ru-RU"/>
           </a:p>
@@ -2696,7 +2696,7 @@
           <a:p>
             <a:fld id="{FCBD75E9-9C93-4F4D-815D-9FEB37D763DD}" type="datetimeFigureOut">
               <a:rPr lang="ru-RU" smtClean="0"/>
-              <a:t>17.05.2022</a:t>
+              <a:t>19.05.2022</a:t>
             </a:fld>
             <a:endParaRPr lang="ru-RU"/>
           </a:p>
@@ -2947,7 +2947,7 @@
           <a:p>
             <a:fld id="{FCBD75E9-9C93-4F4D-815D-9FEB37D763DD}" type="datetimeFigureOut">
               <a:rPr lang="ru-RU" smtClean="0"/>
-              <a:t>17.05.2022</a:t>
+              <a:t>19.05.2022</a:t>
             </a:fld>
             <a:endParaRPr lang="ru-RU"/>
           </a:p>
@@ -4420,7 +4420,7 @@
         </p:nvSpPr>
         <p:spPr>
           <a:xfrm>
-            <a:off x="743791" y="70337"/>
+            <a:off x="1049278" y="35167"/>
             <a:ext cx="9242942" cy="890245"/>
           </a:xfrm>
         </p:spPr>
@@ -4443,66 +4443,15 @@
           </a:p>
         </p:txBody>
       </p:sp>
-      <p:sp>
-        <p:nvSpPr>
-          <p:cNvPr id="3" name="Объект 2"/>
-          <p:cNvSpPr>
-            <a:spLocks noGrp="1"/>
-          </p:cNvSpPr>
-          <p:nvPr>
-            <p:ph idx="1"/>
-          </p:nvPr>
-        </p:nvSpPr>
-        <p:spPr>
-          <a:xfrm>
-            <a:off x="1238426" y="1113692"/>
-            <a:ext cx="8595360" cy="4003552"/>
-          </a:xfrm>
-        </p:spPr>
-        <p:txBody>
-          <a:bodyPr/>
-          <a:lstStyle/>
-          <a:p>
-            <a:pPr marL="0" indent="0" algn="just">
-              <a:buNone/>
-            </a:pPr>
-            <a:r>
-              <a:rPr lang="ru-RU" dirty="0">
-                <a:latin typeface="Corbel" panose="020B0503020204020204" pitchFamily="34" charset="0"/>
-              </a:rPr>
-              <a:t>Разработанное устройство состоит из </a:t>
-            </a:r>
-            <a:r>
-              <a:rPr lang="en-US" dirty="0">
-                <a:latin typeface="Corbel" panose="020B0503020204020204" pitchFamily="34" charset="0"/>
-              </a:rPr>
-              <a:t>Arduino Nano</a:t>
-            </a:r>
-            <a:r>
-              <a:rPr lang="ru-RU" dirty="0">
-                <a:latin typeface="Corbel" panose="020B0503020204020204" pitchFamily="34" charset="0"/>
-              </a:rPr>
-              <a:t>, с подключенном к нему шаговым двигателем и считывателем RDIF </a:t>
-            </a:r>
-            <a:r>
-              <a:rPr lang="ru-RU" dirty="0" smtClean="0">
-                <a:latin typeface="Corbel" panose="020B0503020204020204" pitchFamily="34" charset="0"/>
-              </a:rPr>
-              <a:t>меток.</a:t>
-            </a:r>
-            <a:endParaRPr lang="ru-RU" dirty="0">
-              <a:latin typeface="Corbel" panose="020B0503020204020204" pitchFamily="34" charset="0"/>
-            </a:endParaRPr>
-          </a:p>
-        </p:txBody>
-      </p:sp>
       <p:pic>
         <p:nvPicPr>
-          <p:cNvPr id="4" name="Рисунок 3"/>
+          <p:cNvPr id="7" name="Объект 6"/>
           <p:cNvPicPr>
-            <a:picLocks noChangeAspect="1"/>
+            <a:picLocks noGrp="1" noChangeAspect="1"/>
           </p:cNvPicPr>
-          <p:nvPr/>
+          <p:nvPr>
+            <p:ph idx="1"/>
+          </p:nvPr>
         </p:nvPicPr>
         <p:blipFill>
           <a:blip r:embed="rId2">
@@ -4518,12 +4467,9 @@
         </p:blipFill>
         <p:spPr>
           <a:xfrm>
-            <a:off x="1794362" y="2725509"/>
-            <a:ext cx="7483488" cy="2438611"/>
+            <a:off x="1103299" y="1450508"/>
+            <a:ext cx="9431885" cy="3801431"/>
           </a:xfrm>
-          <a:prstGeom prst="rect">
-            <a:avLst/>
-          </a:prstGeom>
         </p:spPr>
       </p:pic>
     </p:spTree>
@@ -4593,7 +4539,7 @@
       </p:sp>
       <p:pic>
         <p:nvPicPr>
-          <p:cNvPr id="4" name="Объект 3"/>
+          <p:cNvPr id="7" name="Объект 6"/>
           <p:cNvPicPr>
             <a:picLocks noGrp="1" noChangeAspect="1"/>
           </p:cNvPicPr>
@@ -4615,8 +4561,8 @@
         </p:blipFill>
         <p:spPr>
           <a:xfrm>
-            <a:off x="3909441" y="1196364"/>
-            <a:ext cx="3300222" cy="5274774"/>
+            <a:off x="3799137" y="984738"/>
+            <a:ext cx="3520830" cy="5627373"/>
           </a:xfrm>
         </p:spPr>
       </p:pic>
@@ -4858,9 +4804,6 @@
               </a:rPr>
               <a:t>. </a:t>
             </a:r>
-            <a:endParaRPr lang="ru-RU" dirty="0">
-              <a:latin typeface="Corbel" panose="020B0503020204020204" pitchFamily="34" charset="0"/>
-            </a:endParaRPr>
           </a:p>
         </p:txBody>
       </p:sp>
